--- a/docs/WeeklyUpdates/WeeklyUpdate_Nov9-13.pptx
+++ b/docs/WeeklyUpdates/WeeklyUpdate_Nov9-13.pptx
@@ -4024,7 +4024,7 @@
               <a:buNone/>
             </a:pPr>
             <a:r>
-              <a:rPr lang="en-US" altLang="ja-JP" sz="1600" dirty="0">
+              <a:rPr lang="en-US" altLang="ja-JP" sz="1600" i="1" dirty="0">
                 <a:ea typeface="ＭＳ Ｐゴシック" pitchFamily="34" charset="-128"/>
               </a:rPr>
               <a:t>Team Name In Discussion</a:t>
@@ -4068,7 +4068,7 @@
               <a:rPr lang="en-US" altLang="en-US" sz="1600" dirty="0">
                 <a:ea typeface="ＭＳ Ｐゴシック" pitchFamily="34" charset="-128"/>
               </a:rPr>
-              <a:t>Dr. </a:t>
+              <a:t>Sponsor - Dr. </a:t>
             </a:r>
             <a:r>
               <a:rPr lang="en-US" altLang="en-US" sz="1600" dirty="0" err="1">
@@ -4104,7 +4104,7 @@
               <a:rPr lang="en-US" altLang="en-US" sz="1600" dirty="0">
                 <a:ea typeface="ＭＳ Ｐゴシック" pitchFamily="34" charset="-128"/>
               </a:rPr>
-              <a:t>Mr. Bill Michael</a:t>
+              <a:t>Faculty Advisor - Mr. Bill Michael</a:t>
             </a:r>
           </a:p>
           <a:p>
